--- a/Module4 - UI BINDING LIBRARY FOR REACT AND REDUX/IARE_WSE04_Introduction to client-side routing using React Router - Copy - Copy - Copy.pptx
+++ b/Module4 - UI BINDING LIBRARY FOR REACT AND REDUX/IARE_WSE04_Introduction to client-side routing using React Router - Copy - Copy - Copy.pptx
@@ -1627,7 +1627,7 @@
           <a:p>
             <a:fld id="{40809F3C-EB3C-498F-A7EF-0555AFEB2E5D}" type="datetimeFigureOut">
               <a:rPr lang="en-US" smtClean="0"/>
-              <a:t>3/24/2025</a:t>
+              <a:t>7/2/2025</a:t>
             </a:fld>
             <a:endParaRPr lang="en-US"/>
           </a:p>
@@ -5300,6 +5300,7 @@
       <p:graphicFrame>
         <p:nvGraphicFramePr>
           <p:cNvPr id="3" name="Object 2">
+            <a:hlinkClick r:id="rId2" action="ppaction://hlinkfile"/>
             <a:extLst>
               <a:ext uri="{FF2B5EF4-FFF2-40B4-BE49-F238E27FC236}">
                 <a16:creationId xmlns:a16="http://schemas.microsoft.com/office/drawing/2014/main" id="{DF9EDE49-B0A8-200F-1C24-39B04114BF1A}"/>
@@ -5312,7 +5313,7 @@
           <p:nvPr>
             <p:extLst>
               <p:ext uri="{D42A27DB-BD31-4B8C-83A1-F6EECF244321}">
-                <p14:modId xmlns:p14="http://schemas.microsoft.com/office/powerpoint/2010/main" val="1557471316"/>
+                <p14:modId xmlns:p14="http://schemas.microsoft.com/office/powerpoint/2010/main" val="350680957"/>
               </p:ext>
             </p:extLst>
           </p:nvPr>
@@ -5325,12 +5326,12 @@
           <a:graphicData uri="http://schemas.openxmlformats.org/presentationml/2006/ole">
             <mc:AlternateContent xmlns:mc="http://schemas.openxmlformats.org/markup-compatibility/2006">
               <mc:Choice xmlns:v="urn:schemas-microsoft-com:vml" Requires="v">
-                <p:oleObj name="Packager Shell Object" showAsIcon="1" r:id="rId2" imgW="1381300" imgH="514326" progId="Package">
+                <p:oleObj name="Packager Shell Object" showAsIcon="1" r:id="rId3" imgW="1381300" imgH="514326" progId="Package">
                   <p:embed/>
                 </p:oleObj>
               </mc:Choice>
               <mc:Fallback>
-                <p:oleObj name="Packager Shell Object" showAsIcon="1" r:id="rId2" imgW="1381300" imgH="514326" progId="Package">
+                <p:oleObj name="Packager Shell Object" showAsIcon="1" r:id="rId3" imgW="1381300" imgH="514326" progId="Package">
                   <p:embed/>
                   <p:pic>
                     <p:nvPicPr>
@@ -5339,7 +5340,7 @@
                       <p:nvPr/>
                     </p:nvPicPr>
                     <p:blipFill>
-                      <a:blip r:embed="rId3"/>
+                      <a:blip r:embed="rId4"/>
                       <a:stretch>
                         <a:fillRect/>
                       </a:stretch>
